--- a/EE/ppt/Fundamental Limits of Caching.pptx
+++ b/EE/ppt/Fundamental Limits of Caching.pptx
@@ -252,7 +252,7 @@
           <a:p>
             <a:fld id="{A60D5959-F2DF-4BE2-A33E-EB6DFA206F64}" type="datetimeFigureOut">
               <a:rPr lang="zh-CN" altLang="en-US" smtClean="0"/>
-              <a:t>2019/5/11</a:t>
+              <a:t>2019/10/20</a:t>
             </a:fld>
             <a:endParaRPr lang="zh-CN" altLang="en-US"/>
           </a:p>
@@ -434,7 +434,7 @@
           <a:p>
             <a:fld id="{A74060A7-92A3-4E1A-BCC5-525FEDC6007E}" type="datetimeFigureOut">
               <a:rPr lang="zh-CN" altLang="en-US" smtClean="0"/>
-              <a:t>2019/5/11</a:t>
+              <a:t>2019/10/20</a:t>
             </a:fld>
             <a:endParaRPr lang="zh-CN" altLang="en-US"/>
           </a:p>
@@ -2074,7 +2074,7 @@
           <a:p>
             <a:fld id="{372EE8CB-3A77-4C6A-AFF0-59F69825E20F}" type="datetime1">
               <a:rPr lang="zh-CN" altLang="en-US" smtClean="0"/>
-              <a:t>2019/5/11</a:t>
+              <a:t>2019/10/20</a:t>
             </a:fld>
             <a:endParaRPr lang="zh-CN" altLang="en-US"/>
           </a:p>
@@ -2272,7 +2272,7 @@
           <a:p>
             <a:fld id="{FC8CE0EB-E12B-4EB5-9F47-8E68AF1B5F68}" type="datetime1">
               <a:rPr lang="zh-CN" altLang="en-US" smtClean="0"/>
-              <a:t>2019/5/11</a:t>
+              <a:t>2019/10/20</a:t>
             </a:fld>
             <a:endParaRPr lang="zh-CN" altLang="en-US"/>
           </a:p>
@@ -2480,7 +2480,7 @@
           <a:p>
             <a:fld id="{1283AB80-D84D-4B43-918D-C0FD0C03CF4F}" type="datetime1">
               <a:rPr lang="zh-CN" altLang="en-US" smtClean="0"/>
-              <a:t>2019/5/11</a:t>
+              <a:t>2019/10/20</a:t>
             </a:fld>
             <a:endParaRPr lang="zh-CN" altLang="en-US"/>
           </a:p>
@@ -2682,7 +2682,7 @@
           <a:p>
             <a:fld id="{372EE8CB-3A77-4C6A-AFF0-59F69825E20F}" type="datetime1">
               <a:rPr lang="zh-CN" altLang="en-US" smtClean="0"/>
-              <a:t>2019/5/11</a:t>
+              <a:t>2019/10/20</a:t>
             </a:fld>
             <a:endParaRPr lang="zh-CN" altLang="en-US"/>
           </a:p>
@@ -2850,7 +2850,7 @@
           <a:p>
             <a:fld id="{9512E572-114F-4A47-B264-2ACA932D1A92}" type="datetime1">
               <a:rPr lang="zh-CN" altLang="en-US" smtClean="0"/>
-              <a:t>2019/5/11</a:t>
+              <a:t>2019/10/20</a:t>
             </a:fld>
             <a:endParaRPr lang="zh-CN" altLang="en-US"/>
           </a:p>
@@ -3095,7 +3095,7 @@
           <a:p>
             <a:fld id="{0B8804B4-6ADC-48C0-A704-5ED7C7E4C338}" type="datetime1">
               <a:rPr lang="zh-CN" altLang="en-US" smtClean="0"/>
-              <a:t>2019/5/11</a:t>
+              <a:t>2019/10/20</a:t>
             </a:fld>
             <a:endParaRPr lang="zh-CN" altLang="en-US"/>
           </a:p>
@@ -3324,7 +3324,7 @@
           <a:p>
             <a:fld id="{B94F5617-45E2-4251-BD76-D65923D5C7E0}" type="datetime1">
               <a:rPr lang="zh-CN" altLang="en-US" smtClean="0"/>
-              <a:t>2019/5/11</a:t>
+              <a:t>2019/10/20</a:t>
             </a:fld>
             <a:endParaRPr lang="zh-CN" altLang="en-US"/>
           </a:p>
@@ -3688,7 +3688,7 @@
           <a:p>
             <a:fld id="{287D40E3-FEFF-4690-BCA5-A5A8E0C48902}" type="datetime1">
               <a:rPr lang="zh-CN" altLang="en-US" smtClean="0"/>
-              <a:t>2019/5/11</a:t>
+              <a:t>2019/10/20</a:t>
             </a:fld>
             <a:endParaRPr lang="zh-CN" altLang="en-US"/>
           </a:p>
@@ -3805,7 +3805,7 @@
           <a:p>
             <a:fld id="{7BFDC8B7-EC3D-47C7-B969-F2D961EB4801}" type="datetime1">
               <a:rPr lang="zh-CN" altLang="en-US" smtClean="0"/>
-              <a:t>2019/5/11</a:t>
+              <a:t>2019/10/20</a:t>
             </a:fld>
             <a:endParaRPr lang="zh-CN" altLang="en-US"/>
           </a:p>
@@ -3900,7 +3900,7 @@
           <a:p>
             <a:fld id="{2F1D7D7D-9584-4C41-9615-75162AC1D72A}" type="datetime1">
               <a:rPr lang="zh-CN" altLang="en-US" smtClean="0"/>
-              <a:t>2019/5/11</a:t>
+              <a:t>2019/10/20</a:t>
             </a:fld>
             <a:endParaRPr lang="zh-CN" altLang="en-US"/>
           </a:p>
@@ -4175,7 +4175,7 @@
           <a:p>
             <a:fld id="{EFBFB2C7-CF7D-4C61-8BD7-EF6C5EBDB12D}" type="datetime1">
               <a:rPr lang="zh-CN" altLang="en-US" smtClean="0"/>
-              <a:t>2019/5/11</a:t>
+              <a:t>2019/10/20</a:t>
             </a:fld>
             <a:endParaRPr lang="zh-CN" altLang="en-US"/>
           </a:p>
@@ -4361,7 +4361,7 @@
           <a:p>
             <a:fld id="{9512E572-114F-4A47-B264-2ACA932D1A92}" type="datetime1">
               <a:rPr lang="zh-CN" altLang="en-US" smtClean="0"/>
-              <a:t>2019/5/11</a:t>
+              <a:t>2019/10/20</a:t>
             </a:fld>
             <a:endParaRPr lang="zh-CN" altLang="en-US"/>
           </a:p>
@@ -4625,7 +4625,7 @@
           <a:p>
             <a:fld id="{C6302770-08E6-4814-AC98-232EEA05B83F}" type="datetime1">
               <a:rPr lang="zh-CN" altLang="en-US" smtClean="0"/>
-              <a:t>2019/5/11</a:t>
+              <a:t>2019/10/20</a:t>
             </a:fld>
             <a:endParaRPr lang="zh-CN" altLang="en-US"/>
           </a:p>
@@ -4793,7 +4793,7 @@
           <a:p>
             <a:fld id="{FC8CE0EB-E12B-4EB5-9F47-8E68AF1B5F68}" type="datetime1">
               <a:rPr lang="zh-CN" altLang="en-US" smtClean="0"/>
-              <a:t>2019/5/11</a:t>
+              <a:t>2019/10/20</a:t>
             </a:fld>
             <a:endParaRPr lang="zh-CN" altLang="en-US"/>
           </a:p>
@@ -4971,7 +4971,7 @@
           <a:p>
             <a:fld id="{1283AB80-D84D-4B43-918D-C0FD0C03CF4F}" type="datetime1">
               <a:rPr lang="zh-CN" altLang="en-US" smtClean="0"/>
-              <a:t>2019/5/11</a:t>
+              <a:t>2019/10/20</a:t>
             </a:fld>
             <a:endParaRPr lang="zh-CN" altLang="en-US"/>
           </a:p>
@@ -5234,7 +5234,7 @@
           <a:p>
             <a:fld id="{0B8804B4-6ADC-48C0-A704-5ED7C7E4C338}" type="datetime1">
               <a:rPr lang="zh-CN" altLang="en-US" smtClean="0"/>
-              <a:t>2019/5/11</a:t>
+              <a:t>2019/10/20</a:t>
             </a:fld>
             <a:endParaRPr lang="zh-CN" altLang="en-US"/>
           </a:p>
@@ -5499,7 +5499,7 @@
           <a:p>
             <a:fld id="{B94F5617-45E2-4251-BD76-D65923D5C7E0}" type="datetime1">
               <a:rPr lang="zh-CN" altLang="en-US" smtClean="0"/>
-              <a:t>2019/5/11</a:t>
+              <a:t>2019/10/20</a:t>
             </a:fld>
             <a:endParaRPr lang="zh-CN" altLang="en-US"/>
           </a:p>
@@ -5911,7 +5911,7 @@
           <a:p>
             <a:fld id="{287D40E3-FEFF-4690-BCA5-A5A8E0C48902}" type="datetime1">
               <a:rPr lang="zh-CN" altLang="en-US" smtClean="0"/>
-              <a:t>2019/5/11</a:t>
+              <a:t>2019/10/20</a:t>
             </a:fld>
             <a:endParaRPr lang="zh-CN" altLang="en-US"/>
           </a:p>
@@ -6052,7 +6052,7 @@
           <a:p>
             <a:fld id="{7BFDC8B7-EC3D-47C7-B969-F2D961EB4801}" type="datetime1">
               <a:rPr lang="zh-CN" altLang="en-US" smtClean="0"/>
-              <a:t>2019/5/11</a:t>
+              <a:t>2019/10/20</a:t>
             </a:fld>
             <a:endParaRPr lang="zh-CN" altLang="en-US"/>
           </a:p>
@@ -6165,7 +6165,7 @@
           <a:p>
             <a:fld id="{2F1D7D7D-9584-4C41-9615-75162AC1D72A}" type="datetime1">
               <a:rPr lang="zh-CN" altLang="en-US" smtClean="0"/>
-              <a:t>2019/5/11</a:t>
+              <a:t>2019/10/20</a:t>
             </a:fld>
             <a:endParaRPr lang="zh-CN" altLang="en-US"/>
           </a:p>
@@ -6476,7 +6476,7 @@
           <a:p>
             <a:fld id="{EFBFB2C7-CF7D-4C61-8BD7-EF6C5EBDB12D}" type="datetime1">
               <a:rPr lang="zh-CN" altLang="en-US" smtClean="0"/>
-              <a:t>2019/5/11</a:t>
+              <a:t>2019/10/20</a:t>
             </a:fld>
             <a:endParaRPr lang="zh-CN" altLang="en-US"/>
           </a:p>
@@ -6764,7 +6764,7 @@
           <a:p>
             <a:fld id="{C6302770-08E6-4814-AC98-232EEA05B83F}" type="datetime1">
               <a:rPr lang="zh-CN" altLang="en-US" smtClean="0"/>
-              <a:t>2019/5/11</a:t>
+              <a:t>2019/10/20</a:t>
             </a:fld>
             <a:endParaRPr lang="zh-CN" altLang="en-US"/>
           </a:p>
@@ -7005,7 +7005,7 @@
           <a:p>
             <a:fld id="{DEF41934-877F-4582-B851-7425E20F4D51}" type="datetime1">
               <a:rPr lang="zh-CN" altLang="en-US" smtClean="0"/>
-              <a:t>2019/5/11</a:t>
+              <a:t>2019/10/20</a:t>
             </a:fld>
             <a:endParaRPr lang="zh-CN" altLang="en-US"/>
           </a:p>
@@ -7556,7 +7556,7 @@
           <a:p>
             <a:fld id="{DEF41934-877F-4582-B851-7425E20F4D51}" type="datetime1">
               <a:rPr lang="zh-CN" altLang="en-US" smtClean="0"/>
-              <a:t>2019/5/11</a:t>
+              <a:t>2019/10/20</a:t>
             </a:fld>
             <a:endParaRPr lang="zh-CN" altLang="en-US"/>
           </a:p>
@@ -15419,13 +15419,8 @@
             </a:pPr>
             <a:r>
               <a:rPr lang="en-US" altLang="zh-CN" dirty="0"/>
-              <a:t>My </a:t>
-            </a:r>
-            <a:r>
-              <a:rPr lang="en-US" altLang="zh-CN"/>
-              <a:t>Future Work </a:t>
-            </a:r>
-            <a:endParaRPr lang="en-US" altLang="zh-CN" dirty="0"/>
+              <a:t>My Future Work </a:t>
+            </a:r>
           </a:p>
           <a:p>
             <a:pPr marL="514350" indent="-514350">
@@ -24250,10 +24245,14 @@
           <a:p>
             <a:pPr algn="ctr"/>
             <a:r>
-              <a:rPr lang="en-US" altLang="zh-CN" dirty="0"/>
+              <a:rPr lang="en-US" altLang="zh-CN" dirty="0">
+                <a:latin typeface="+mn-lt"/>
+              </a:rPr>
               <a:t>1.Introduction</a:t>
             </a:r>
-            <a:endParaRPr lang="zh-CN" altLang="en-US" dirty="0"/>
+            <a:endParaRPr lang="zh-CN" altLang="en-US" dirty="0">
+              <a:latin typeface="+mn-lt"/>
+            </a:endParaRPr>
           </a:p>
         </p:txBody>
       </p:sp>
@@ -24408,7 +24407,7 @@
         <p:spPr>
           <a:xfrm>
             <a:off x="216000" y="216168"/>
-            <a:ext cx="6900418" cy="464869"/>
+            <a:ext cx="8235542" cy="464869"/>
           </a:xfrm>
         </p:spPr>
         <p:txBody>
@@ -24418,10 +24417,14 @@
           <a:lstStyle/>
           <a:p>
             <a:r>
-              <a:rPr lang="en-US" altLang="zh-CN" dirty="0"/>
+              <a:rPr lang="en-US" altLang="zh-CN" dirty="0">
+                <a:latin typeface="+mn-lt"/>
+              </a:rPr>
               <a:t>4.Connections and Future Work</a:t>
             </a:r>
-            <a:endParaRPr lang="zh-CN" altLang="en-US" dirty="0"/>
+            <a:endParaRPr lang="zh-CN" altLang="en-US" dirty="0">
+              <a:latin typeface="+mn-lt"/>
+            </a:endParaRPr>
           </a:p>
         </p:txBody>
       </p:sp>
@@ -24502,8 +24505,8 @@
         </p:nvSpPr>
         <p:spPr>
           <a:xfrm>
-            <a:off x="216000" y="216168"/>
-            <a:ext cx="6900418" cy="464869"/>
+            <a:off x="215999" y="216168"/>
+            <a:ext cx="7942579" cy="464869"/>
           </a:xfrm>
         </p:spPr>
         <p:txBody>
@@ -24513,10 +24516,14 @@
           <a:lstStyle/>
           <a:p>
             <a:r>
-              <a:rPr lang="en-US" altLang="zh-CN" dirty="0"/>
+              <a:rPr lang="en-US" altLang="zh-CN" dirty="0">
+                <a:latin typeface="+mn-lt"/>
+              </a:rPr>
               <a:t>4.Connections and Future Work</a:t>
             </a:r>
-            <a:endParaRPr lang="zh-CN" altLang="en-US" dirty="0"/>
+            <a:endParaRPr lang="zh-CN" altLang="en-US" dirty="0">
+              <a:latin typeface="+mn-lt"/>
+            </a:endParaRPr>
           </a:p>
         </p:txBody>
       </p:sp>
@@ -24744,8 +24751,8 @@
         </p:nvSpPr>
         <p:spPr>
           <a:xfrm>
-            <a:off x="216000" y="216168"/>
-            <a:ext cx="6900418" cy="464869"/>
+            <a:off x="215999" y="216168"/>
+            <a:ext cx="7658493" cy="464869"/>
           </a:xfrm>
         </p:spPr>
         <p:txBody>
@@ -24755,10 +24762,14 @@
           <a:lstStyle/>
           <a:p>
             <a:r>
-              <a:rPr lang="en-US" altLang="zh-CN" dirty="0"/>
+              <a:rPr lang="en-US" altLang="zh-CN" dirty="0">
+                <a:latin typeface="+mn-lt"/>
+              </a:rPr>
               <a:t>4.Connections and Future Work</a:t>
             </a:r>
-            <a:endParaRPr lang="zh-CN" altLang="en-US" dirty="0"/>
+            <a:endParaRPr lang="zh-CN" altLang="en-US" dirty="0">
+              <a:latin typeface="+mn-lt"/>
+            </a:endParaRPr>
           </a:p>
         </p:txBody>
       </p:sp>
@@ -24966,8 +24977,8 @@
         </p:nvSpPr>
         <p:spPr>
           <a:xfrm>
-            <a:off x="216000" y="216168"/>
-            <a:ext cx="6900418" cy="464869"/>
+            <a:off x="215999" y="216168"/>
+            <a:ext cx="7818291" cy="464869"/>
           </a:xfrm>
         </p:spPr>
         <p:txBody>
@@ -24977,10 +24988,14 @@
           <a:lstStyle/>
           <a:p>
             <a:r>
-              <a:rPr lang="en-US" altLang="zh-CN" dirty="0"/>
+              <a:rPr lang="en-US" altLang="zh-CN" dirty="0">
+                <a:latin typeface="+mn-lt"/>
+              </a:rPr>
               <a:t>4.Connections and Future Work</a:t>
             </a:r>
-            <a:endParaRPr lang="zh-CN" altLang="en-US" dirty="0"/>
+            <a:endParaRPr lang="zh-CN" altLang="en-US" dirty="0">
+              <a:latin typeface="+mn-lt"/>
+            </a:endParaRPr>
           </a:p>
         </p:txBody>
       </p:sp>
@@ -28920,9 +28935,9 @@
         <a:srgbClr val="954F72"/>
       </a:folHlink>
     </a:clrScheme>
-    <a:fontScheme name="正规">
+    <a:fontScheme name="自定义 1">
       <a:majorFont>
-        <a:latin typeface="tine"/>
+        <a:latin typeface="Times New Roman"/>
         <a:ea typeface="宋体"/>
         <a:cs typeface=""/>
       </a:majorFont>
